--- a/Group/Presentations/Pitch 5 - Beta.pptx
+++ b/Group/Presentations/Pitch 5 - Beta.pptx
@@ -136,6 +136,10 @@
 </p:presentation>
 </file>
 
+<file path=ppt/revisionInfo.xml><?xml version="1.0" encoding="utf-8"?>
+<p1510:revInfo xmlns:a="http://schemas.openxmlformats.org/drawingml/2006/main" xmlns:r="http://schemas.openxmlformats.org/officeDocument/2006/relationships" xmlns:p1510="http://schemas.microsoft.com/office/powerpoint/2015/10/main"/>
+</file>
+
 <file path=ppt/notesMasters/notesMaster1.xml><?xml version="1.0" encoding="utf-8"?>
 <p:notesMaster xmlns:a="http://schemas.openxmlformats.org/drawingml/2006/main" xmlns:r="http://schemas.openxmlformats.org/officeDocument/2006/relationships" xmlns:p="http://schemas.openxmlformats.org/presentationml/2006/main">
   <p:cSld>
@@ -219,7 +223,7 @@
             <a:fld id="{872D10A0-4D22-4387-8C82-692DB2EA3F9D}" type="datetimeFigureOut">
               <a:rPr lang="en-GB" smtClean="0"/>
               <a:pPr/>
-              <a:t>05/03/2018</a:t>
+              <a:t>06/03/2018</a:t>
             </a:fld>
             <a:endParaRPr lang="en-GB"/>
           </a:p>
@@ -1363,7 +1367,7 @@
             <a:fld id="{7ADF0DE1-E153-4830-BFE0-C66817C87E1C}" type="datetimeFigureOut">
               <a:rPr lang="en-GB" smtClean="0"/>
               <a:pPr/>
-              <a:t>05/03/2018</a:t>
+              <a:t>06/03/2018</a:t>
             </a:fld>
             <a:endParaRPr lang="en-GB"/>
           </a:p>
@@ -1646,7 +1650,7 @@
             <a:fld id="{7ADF0DE1-E153-4830-BFE0-C66817C87E1C}" type="datetimeFigureOut">
               <a:rPr lang="en-GB" smtClean="0"/>
               <a:pPr/>
-              <a:t>05/03/2018</a:t>
+              <a:t>06/03/2018</a:t>
             </a:fld>
             <a:endParaRPr lang="en-GB"/>
           </a:p>
@@ -1840,7 +1844,7 @@
             <a:fld id="{7ADF0DE1-E153-4830-BFE0-C66817C87E1C}" type="datetimeFigureOut">
               <a:rPr lang="en-GB" smtClean="0"/>
               <a:pPr/>
-              <a:t>05/03/2018</a:t>
+              <a:t>06/03/2018</a:t>
             </a:fld>
             <a:endParaRPr lang="en-GB"/>
           </a:p>
@@ -2103,7 +2107,7 @@
             <a:fld id="{7ADF0DE1-E153-4830-BFE0-C66817C87E1C}" type="datetimeFigureOut">
               <a:rPr lang="en-GB" smtClean="0"/>
               <a:pPr/>
-              <a:t>05/03/2018</a:t>
+              <a:t>06/03/2018</a:t>
             </a:fld>
             <a:endParaRPr lang="en-GB"/>
           </a:p>
@@ -2531,7 +2535,7 @@
             <a:fld id="{7ADF0DE1-E153-4830-BFE0-C66817C87E1C}" type="datetimeFigureOut">
               <a:rPr lang="en-GB" smtClean="0"/>
               <a:pPr/>
-              <a:t>05/03/2018</a:t>
+              <a:t>06/03/2018</a:t>
             </a:fld>
             <a:endParaRPr lang="en-GB"/>
           </a:p>
@@ -3079,7 +3083,7 @@
             <a:fld id="{7ADF0DE1-E153-4830-BFE0-C66817C87E1C}" type="datetimeFigureOut">
               <a:rPr lang="en-GB" smtClean="0"/>
               <a:pPr/>
-              <a:t>05/03/2018</a:t>
+              <a:t>06/03/2018</a:t>
             </a:fld>
             <a:endParaRPr lang="en-GB"/>
           </a:p>
@@ -3912,7 +3916,7 @@
             <a:fld id="{7ADF0DE1-E153-4830-BFE0-C66817C87E1C}" type="datetimeFigureOut">
               <a:rPr lang="en-GB" smtClean="0"/>
               <a:pPr/>
-              <a:t>05/03/2018</a:t>
+              <a:t>06/03/2018</a:t>
             </a:fld>
             <a:endParaRPr lang="en-GB"/>
           </a:p>
@@ -4084,7 +4088,7 @@
             <a:fld id="{7ADF0DE1-E153-4830-BFE0-C66817C87E1C}" type="datetimeFigureOut">
               <a:rPr lang="en-GB" smtClean="0"/>
               <a:pPr/>
-              <a:t>05/03/2018</a:t>
+              <a:t>06/03/2018</a:t>
             </a:fld>
             <a:endParaRPr lang="en-GB"/>
           </a:p>
@@ -4266,7 +4270,7 @@
             <a:fld id="{7ADF0DE1-E153-4830-BFE0-C66817C87E1C}" type="datetimeFigureOut">
               <a:rPr lang="en-GB" smtClean="0"/>
               <a:pPr/>
-              <a:t>05/03/2018</a:t>
+              <a:t>06/03/2018</a:t>
             </a:fld>
             <a:endParaRPr lang="en-GB"/>
           </a:p>
@@ -4438,7 +4442,7 @@
             <a:fld id="{7ADF0DE1-E153-4830-BFE0-C66817C87E1C}" type="datetimeFigureOut">
               <a:rPr lang="en-GB" smtClean="0"/>
               <a:pPr/>
-              <a:t>05/03/2018</a:t>
+              <a:t>06/03/2018</a:t>
             </a:fld>
             <a:endParaRPr lang="en-GB"/>
           </a:p>
@@ -4697,7 +4701,7 @@
             <a:fld id="{7ADF0DE1-E153-4830-BFE0-C66817C87E1C}" type="datetimeFigureOut">
               <a:rPr lang="en-GB" smtClean="0"/>
               <a:pPr/>
-              <a:t>05/03/2018</a:t>
+              <a:t>06/03/2018</a:t>
             </a:fld>
             <a:endParaRPr lang="en-GB"/>
           </a:p>
@@ -4931,7 +4935,7 @@
             <a:fld id="{7ADF0DE1-E153-4830-BFE0-C66817C87E1C}" type="datetimeFigureOut">
               <a:rPr lang="en-GB" smtClean="0"/>
               <a:pPr/>
-              <a:t>05/03/2018</a:t>
+              <a:t>06/03/2018</a:t>
             </a:fld>
             <a:endParaRPr lang="en-GB"/>
           </a:p>
@@ -5326,7 +5330,7 @@
             <a:fld id="{7ADF0DE1-E153-4830-BFE0-C66817C87E1C}" type="datetimeFigureOut">
               <a:rPr lang="en-GB" smtClean="0"/>
               <a:pPr/>
-              <a:t>05/03/2018</a:t>
+              <a:t>06/03/2018</a:t>
             </a:fld>
             <a:endParaRPr lang="en-GB"/>
           </a:p>
@@ -5446,7 +5450,7 @@
             <a:fld id="{7ADF0DE1-E153-4830-BFE0-C66817C87E1C}" type="datetimeFigureOut">
               <a:rPr lang="en-GB" smtClean="0"/>
               <a:pPr/>
-              <a:t>05/03/2018</a:t>
+              <a:t>06/03/2018</a:t>
             </a:fld>
             <a:endParaRPr lang="en-GB"/>
           </a:p>
@@ -5543,7 +5547,7 @@
             <a:fld id="{7ADF0DE1-E153-4830-BFE0-C66817C87E1C}" type="datetimeFigureOut">
               <a:rPr lang="en-GB" smtClean="0"/>
               <a:pPr/>
-              <a:t>05/03/2018</a:t>
+              <a:t>06/03/2018</a:t>
             </a:fld>
             <a:endParaRPr lang="en-GB"/>
           </a:p>
@@ -5818,7 +5822,7 @@
             <a:fld id="{7ADF0DE1-E153-4830-BFE0-C66817C87E1C}" type="datetimeFigureOut">
               <a:rPr lang="en-GB" smtClean="0"/>
               <a:pPr/>
-              <a:t>05/03/2018</a:t>
+              <a:t>06/03/2018</a:t>
             </a:fld>
             <a:endParaRPr lang="en-GB"/>
           </a:p>
@@ -6101,7 +6105,7 @@
             <a:fld id="{7ADF0DE1-E153-4830-BFE0-C66817C87E1C}" type="datetimeFigureOut">
               <a:rPr lang="en-GB" smtClean="0"/>
               <a:pPr/>
-              <a:t>05/03/2018</a:t>
+              <a:t>06/03/2018</a:t>
             </a:fld>
             <a:endParaRPr lang="en-GB"/>
           </a:p>
@@ -6343,7 +6347,7 @@
             <a:fld id="{7ADF0DE1-E153-4830-BFE0-C66817C87E1C}" type="datetimeFigureOut">
               <a:rPr lang="en-GB" smtClean="0"/>
               <a:pPr/>
-              <a:t>05/03/2018</a:t>
+              <a:t>06/03/2018</a:t>
             </a:fld>
             <a:endParaRPr lang="en-GB"/>
           </a:p>
@@ -9994,45 +9998,78 @@
           </a:prstGeom>
         </p:spPr>
       </p:pic>
-      <p:sp>
-        <p:nvSpPr>
-          <p:cNvPr id="3" name="TextBox 2">
+      <p:pic>
+        <p:nvPicPr>
+          <p:cNvPr id="6" name="Picture 5">
             <a:extLst>
               <a:ext uri="{FF2B5EF4-FFF2-40B4-BE49-F238E27FC236}">
-                <a16:creationId xmlns:a16="http://schemas.microsoft.com/office/drawing/2014/main" id="{E668C8F7-5F3F-403C-80B5-7B657CAE932D}"/>
+                <a16:creationId xmlns:a16="http://schemas.microsoft.com/office/drawing/2014/main" id="{7DE3F53F-A440-4BDA-A09D-F4EE7BE189B8}"/>
               </a:ext>
             </a:extLst>
           </p:cNvPr>
-          <p:cNvSpPr txBox="1"/>
+          <p:cNvPicPr>
+            <a:picLocks noChangeAspect="1"/>
+          </p:cNvPicPr>
           <p:nvPr/>
-        </p:nvSpPr>
+        </p:nvPicPr>
+        <p:blipFill>
+          <a:blip r:embed="rId4">
+            <a:extLst>
+              <a:ext uri="{28A0092B-C50C-407E-A947-70E740481C1C}">
+                <a14:useLocalDpi xmlns:a14="http://schemas.microsoft.com/office/drawing/2010/main" val="0"/>
+              </a:ext>
+            </a:extLst>
+          </a:blip>
+          <a:stretch>
+            <a:fillRect/>
+          </a:stretch>
+        </p:blipFill>
         <p:spPr>
           <a:xfrm>
-            <a:off x="2882901" y="3142033"/>
-            <a:ext cx="6426197" cy="769441"/>
+            <a:off x="313689" y="2095457"/>
+            <a:ext cx="5506293" cy="2753147"/>
           </a:xfrm>
           <a:prstGeom prst="rect">
             <a:avLst/>
           </a:prstGeom>
-          <a:noFill/>
-        </p:spPr>
-        <p:txBody>
-          <a:bodyPr wrap="square" rtlCol="0">
-            <a:spAutoFit/>
-          </a:bodyPr>
-          <a:lstStyle/>
-          <a:p>
-            <a:r>
-              <a:rPr lang="en-GB" sz="4400" dirty="0">
-                <a:solidFill>
-                  <a:schemeClr val="accent6"/>
-                </a:solidFill>
-              </a:rPr>
-              <a:t>[Images of Tutorials here]</a:t>
-            </a:r>
-          </a:p>
-        </p:txBody>
-      </p:sp>
+        </p:spPr>
+      </p:pic>
+      <p:pic>
+        <p:nvPicPr>
+          <p:cNvPr id="8" name="Picture 7">
+            <a:extLst>
+              <a:ext uri="{FF2B5EF4-FFF2-40B4-BE49-F238E27FC236}">
+                <a16:creationId xmlns:a16="http://schemas.microsoft.com/office/drawing/2014/main" id="{4995FA82-248B-4F7E-B81B-E52AD6EA1462}"/>
+              </a:ext>
+            </a:extLst>
+          </p:cNvPr>
+          <p:cNvPicPr>
+            <a:picLocks noChangeAspect="1"/>
+          </p:cNvPicPr>
+          <p:nvPr/>
+        </p:nvPicPr>
+        <p:blipFill>
+          <a:blip r:embed="rId5">
+            <a:extLst>
+              <a:ext uri="{28A0092B-C50C-407E-A947-70E740481C1C}">
+                <a14:useLocalDpi xmlns:a14="http://schemas.microsoft.com/office/drawing/2010/main" val="0"/>
+              </a:ext>
+            </a:extLst>
+          </a:blip>
+          <a:stretch>
+            <a:fillRect/>
+          </a:stretch>
+        </p:blipFill>
+        <p:spPr>
+          <a:xfrm>
+            <a:off x="6096000" y="3472031"/>
+            <a:ext cx="5596647" cy="2798324"/>
+          </a:xfrm>
+          <a:prstGeom prst="rect">
+            <a:avLst/>
+          </a:prstGeom>
+        </p:spPr>
+      </p:pic>
     </p:spTree>
     <p:extLst>
       <p:ext uri="{BB962C8B-B14F-4D97-AF65-F5344CB8AC3E}">
@@ -10092,7 +10129,7 @@
             <a:pPr algn="ctr"/>
             <a:r>
               <a:rPr lang="en-GB" dirty="0"/>
-              <a:t>New UI</a:t>
+              <a:t>New UI Element</a:t>
             </a:r>
           </a:p>
         </p:txBody>
@@ -10133,45 +10170,35 @@
           </a:prstGeom>
         </p:spPr>
       </p:pic>
-      <p:sp>
-        <p:nvSpPr>
-          <p:cNvPr id="6" name="TextBox 5">
+      <p:pic>
+        <p:nvPicPr>
+          <p:cNvPr id="5" name="Picture 4">
             <a:extLst>
               <a:ext uri="{FF2B5EF4-FFF2-40B4-BE49-F238E27FC236}">
-                <a16:creationId xmlns:a16="http://schemas.microsoft.com/office/drawing/2014/main" id="{468703FE-C0FF-424D-A378-3E3890780BA3}"/>
+                <a16:creationId xmlns:a16="http://schemas.microsoft.com/office/drawing/2014/main" id="{CE854528-D7AD-43B3-8DFD-19CAB762396D}"/>
               </a:ext>
             </a:extLst>
           </p:cNvPr>
-          <p:cNvSpPr txBox="1"/>
+          <p:cNvPicPr>
+            <a:picLocks noChangeAspect="1"/>
+          </p:cNvPicPr>
           <p:nvPr/>
-        </p:nvSpPr>
+        </p:nvPicPr>
+        <p:blipFill rotWithShape="1">
+          <a:blip r:embed="rId3"/>
+          <a:srcRect l="10771" t="55506" r="77832" b="32057"/>
+          <a:stretch/>
+        </p:blipFill>
         <p:spPr>
           <a:xfrm>
-            <a:off x="2882901" y="3142033"/>
-            <a:ext cx="6426197" cy="769441"/>
+            <a:off x="2930305" y="1710949"/>
+            <a:ext cx="6613188" cy="4059735"/>
           </a:xfrm>
           <a:prstGeom prst="rect">
             <a:avLst/>
           </a:prstGeom>
-          <a:noFill/>
-        </p:spPr>
-        <p:txBody>
-          <a:bodyPr wrap="square" rtlCol="0">
-            <a:spAutoFit/>
-          </a:bodyPr>
-          <a:lstStyle/>
-          <a:p>
-            <a:r>
-              <a:rPr lang="en-GB" sz="4400" dirty="0">
-                <a:solidFill>
-                  <a:schemeClr val="accent6"/>
-                </a:solidFill>
-              </a:rPr>
-              <a:t>[Images of New UI here]</a:t>
-            </a:r>
-          </a:p>
-        </p:txBody>
-      </p:sp>
+        </p:spPr>
+      </p:pic>
     </p:spTree>
     <p:extLst>
       <p:ext uri="{BB962C8B-B14F-4D97-AF65-F5344CB8AC3E}">
